--- a/revised-ppts/Day 13 PPT.pptx
+++ b/revised-ppts/Day 13 PPT.pptx
@@ -382,6 +382,7 @@
 <file path=ppt/revisionInfo.xml><?xml version="1.0" encoding="utf-8"?>
 <p1510:revInfo xmlns:a="http://schemas.openxmlformats.org/drawingml/2006/main" xmlns:r="http://schemas.openxmlformats.org/officeDocument/2006/relationships" xmlns:p1510="http://schemas.microsoft.com/office/powerpoint/2015/10/main">
   <p1510:revLst>
+    <p1510:client id="{0B95B0E6-9E3F-75E1-7463-07C43CD5558F}" v="68" dt="2021-12-24T16:45:06.306"/>
     <p1510:client id="{437E063F-B374-416A-B6CD-2771D1A205D0}" v="1530" dt="2021-12-06T18:22:23.654"/>
   </p1510:revLst>
 </p1510:revInfo>
@@ -389,6 +390,30 @@
 
 <file path=ppt/changesInfos/changesInfo1.xml><?xml version="1.0" encoding="utf-8"?>
 <pc:chgInfo xmlns:a="http://schemas.openxmlformats.org/drawingml/2006/main" xmlns:r="http://schemas.openxmlformats.org/officeDocument/2006/relationships" xmlns:ac="http://schemas.microsoft.com/office/drawing/2013/main/command" xmlns:pc="http://schemas.microsoft.com/office/powerpoint/2013/main/command">
+  <pc:docChgLst>
+    <pc:chgData name="Joseph Highe" userId="S::joseph.highe@revature.com::955b9bf1-2fc3-425c-bb80-056211376f04" providerId="AD" clId="Web-{0B95B0E6-9E3F-75E1-7463-07C43CD5558F}"/>
+    <pc:docChg chg="modSld">
+      <pc:chgData name="Joseph Highe" userId="S::joseph.highe@revature.com::955b9bf1-2fc3-425c-bb80-056211376f04" providerId="AD" clId="Web-{0B95B0E6-9E3F-75E1-7463-07C43CD5558F}" dt="2021-12-24T16:45:06.306" v="67" actId="20577"/>
+      <pc:docMkLst>
+        <pc:docMk/>
+      </pc:docMkLst>
+      <pc:sldChg chg="modSp">
+        <pc:chgData name="Joseph Highe" userId="S::joseph.highe@revature.com::955b9bf1-2fc3-425c-bb80-056211376f04" providerId="AD" clId="Web-{0B95B0E6-9E3F-75E1-7463-07C43CD5558F}" dt="2021-12-24T16:45:06.306" v="67" actId="20577"/>
+        <pc:sldMkLst>
+          <pc:docMk/>
+          <pc:sldMk cId="4003118386" sldId="294"/>
+        </pc:sldMkLst>
+        <pc:spChg chg="mod">
+          <ac:chgData name="Joseph Highe" userId="S::joseph.highe@revature.com::955b9bf1-2fc3-425c-bb80-056211376f04" providerId="AD" clId="Web-{0B95B0E6-9E3F-75E1-7463-07C43CD5558F}" dt="2021-12-24T16:45:06.306" v="67" actId="20577"/>
+          <ac:spMkLst>
+            <pc:docMk/>
+            <pc:sldMk cId="4003118386" sldId="294"/>
+            <ac:spMk id="3" creationId="{821D6DCA-D00A-42FC-B2CA-0E53499D6C5E}"/>
+          </ac:spMkLst>
+        </pc:spChg>
+      </pc:sldChg>
+    </pc:docChg>
+  </pc:docChgLst>
   <pc:docChgLst>
     <pc:chgData name="Cynthia Enciso" userId="7915927f-c5cf-4e1f-876d-e79882ad52fa" providerId="ADAL" clId="{2FE69DBB-3475-4F43-BB4D-629329706730}"/>
     <pc:docChg chg="custSel modSld sldOrd">
@@ -513,6 +538,237 @@
             <pc:docMk/>
             <pc:sldMk cId="2764387677" sldId="279"/>
             <ac:spMk id="3" creationId="{632307D8-4296-423C-8B32-EF599C36CC9F}"/>
+          </ac:spMkLst>
+        </pc:spChg>
+      </pc:sldChg>
+    </pc:docChg>
+  </pc:docChgLst>
+  <pc:docChgLst>
+    <pc:chgData name="Cynthia Enciso" userId="7915927f-c5cf-4e1f-876d-e79882ad52fa" providerId="ADAL" clId="{F3B0982E-F8D7-4019-B0BD-51D870242FEB}"/>
+    <pc:docChg chg="custSel modSld">
+      <pc:chgData name="Cynthia Enciso" userId="7915927f-c5cf-4e1f-876d-e79882ad52fa" providerId="ADAL" clId="{F3B0982E-F8D7-4019-B0BD-51D870242FEB}" dt="2021-06-14T21:11:58.814" v="71" actId="1076"/>
+      <pc:docMkLst>
+        <pc:docMk/>
+      </pc:docMkLst>
+      <pc:sldChg chg="addSp delSp modSp mod">
+        <pc:chgData name="Cynthia Enciso" userId="7915927f-c5cf-4e1f-876d-e79882ad52fa" providerId="ADAL" clId="{F3B0982E-F8D7-4019-B0BD-51D870242FEB}" dt="2021-06-14T20:35:59.225" v="45" actId="478"/>
+        <pc:sldMkLst>
+          <pc:docMk/>
+          <pc:sldMk cId="0" sldId="263"/>
+        </pc:sldMkLst>
+        <pc:spChg chg="add del mod">
+          <ac:chgData name="Cynthia Enciso" userId="7915927f-c5cf-4e1f-876d-e79882ad52fa" providerId="ADAL" clId="{F3B0982E-F8D7-4019-B0BD-51D870242FEB}" dt="2021-06-14T20:35:59.225" v="45" actId="478"/>
+          <ac:spMkLst>
+            <pc:docMk/>
+            <pc:sldMk cId="0" sldId="263"/>
+            <ac:spMk id="2" creationId="{11279063-726D-4DA2-AC29-13C80890C445}"/>
+          </ac:spMkLst>
+        </pc:spChg>
+      </pc:sldChg>
+      <pc:sldChg chg="modSp mod">
+        <pc:chgData name="Cynthia Enciso" userId="7915927f-c5cf-4e1f-876d-e79882ad52fa" providerId="ADAL" clId="{F3B0982E-F8D7-4019-B0BD-51D870242FEB}" dt="2021-06-14T20:40:28.506" v="55" actId="20577"/>
+        <pc:sldMkLst>
+          <pc:docMk/>
+          <pc:sldMk cId="0" sldId="264"/>
+        </pc:sldMkLst>
+        <pc:spChg chg="mod">
+          <ac:chgData name="Cynthia Enciso" userId="7915927f-c5cf-4e1f-876d-e79882ad52fa" providerId="ADAL" clId="{F3B0982E-F8D7-4019-B0BD-51D870242FEB}" dt="2021-06-14T20:40:28.506" v="55" actId="20577"/>
+          <ac:spMkLst>
+            <pc:docMk/>
+            <pc:sldMk cId="0" sldId="264"/>
+            <ac:spMk id="2" creationId="{AD9D27B1-751B-4BD9-9F3F-EE5A08DEBFC7}"/>
+          </ac:spMkLst>
+        </pc:spChg>
+      </pc:sldChg>
+      <pc:sldChg chg="addSp modSp mod">
+        <pc:chgData name="Cynthia Enciso" userId="7915927f-c5cf-4e1f-876d-e79882ad52fa" providerId="ADAL" clId="{F3B0982E-F8D7-4019-B0BD-51D870242FEB}" dt="2021-06-14T20:40:55.618" v="70" actId="20577"/>
+        <pc:sldMkLst>
+          <pc:docMk/>
+          <pc:sldMk cId="0" sldId="265"/>
+        </pc:sldMkLst>
+        <pc:spChg chg="add mod">
+          <ac:chgData name="Cynthia Enciso" userId="7915927f-c5cf-4e1f-876d-e79882ad52fa" providerId="ADAL" clId="{F3B0982E-F8D7-4019-B0BD-51D870242FEB}" dt="2021-06-14T20:40:55.618" v="70" actId="20577"/>
+          <ac:spMkLst>
+            <pc:docMk/>
+            <pc:sldMk cId="0" sldId="265"/>
+            <ac:spMk id="2" creationId="{1AECCF03-E4BB-47C4-A76F-758338B50F71}"/>
+          </ac:spMkLst>
+        </pc:spChg>
+      </pc:sldChg>
+      <pc:sldChg chg="modSp mod">
+        <pc:chgData name="Cynthia Enciso" userId="7915927f-c5cf-4e1f-876d-e79882ad52fa" providerId="ADAL" clId="{F3B0982E-F8D7-4019-B0BD-51D870242FEB}" dt="2021-06-14T21:11:58.814" v="71" actId="1076"/>
+        <pc:sldMkLst>
+          <pc:docMk/>
+          <pc:sldMk cId="54639374" sldId="276"/>
+        </pc:sldMkLst>
+        <pc:grpChg chg="mod">
+          <ac:chgData name="Cynthia Enciso" userId="7915927f-c5cf-4e1f-876d-e79882ad52fa" providerId="ADAL" clId="{F3B0982E-F8D7-4019-B0BD-51D870242FEB}" dt="2021-06-14T21:11:58.814" v="71" actId="1076"/>
+          <ac:grpSpMkLst>
+            <pc:docMk/>
+            <pc:sldMk cId="54639374" sldId="276"/>
+            <ac:grpSpMk id="23" creationId="{5BCE7D65-1CF4-4668-9B9D-57E720FBC490}"/>
+          </ac:grpSpMkLst>
+        </pc:grpChg>
+      </pc:sldChg>
+      <pc:sldChg chg="delSp mod">
+        <pc:chgData name="Cynthia Enciso" userId="7915927f-c5cf-4e1f-876d-e79882ad52fa" providerId="ADAL" clId="{F3B0982E-F8D7-4019-B0BD-51D870242FEB}" dt="2021-06-14T20:20:06.900" v="0" actId="478"/>
+        <pc:sldMkLst>
+          <pc:docMk/>
+          <pc:sldMk cId="1101121298" sldId="278"/>
+        </pc:sldMkLst>
+        <pc:spChg chg="del">
+          <ac:chgData name="Cynthia Enciso" userId="7915927f-c5cf-4e1f-876d-e79882ad52fa" providerId="ADAL" clId="{F3B0982E-F8D7-4019-B0BD-51D870242FEB}" dt="2021-06-14T20:20:06.900" v="0" actId="478"/>
+          <ac:spMkLst>
+            <pc:docMk/>
+            <pc:sldMk cId="1101121298" sldId="278"/>
+            <ac:spMk id="7" creationId="{D4A94988-B300-4135-9AAB-489602F35956}"/>
+          </ac:spMkLst>
+        </pc:spChg>
+      </pc:sldChg>
+    </pc:docChg>
+  </pc:docChgLst>
+  <pc:docChgLst>
+    <pc:chgData name="Cynthia Enciso" userId="7915927f-c5cf-4e1f-876d-e79882ad52fa" providerId="ADAL" clId="{79310FB5-EF7A-4DBF-9454-209B552EC24D}"/>
+    <pc:docChg chg="undo custSel addSld modSld">
+      <pc:chgData name="Cynthia Enciso" userId="7915927f-c5cf-4e1f-876d-e79882ad52fa" providerId="ADAL" clId="{79310FB5-EF7A-4DBF-9454-209B552EC24D}" dt="2021-08-09T22:20:39.577" v="1032" actId="20577"/>
+      <pc:docMkLst>
+        <pc:docMk/>
+      </pc:docMkLst>
+      <pc:sldChg chg="modSp modAnim">
+        <pc:chgData name="Cynthia Enciso" userId="7915927f-c5cf-4e1f-876d-e79882ad52fa" providerId="ADAL" clId="{79310FB5-EF7A-4DBF-9454-209B552EC24D}" dt="2021-08-09T21:25:43.025" v="459" actId="20577"/>
+        <pc:sldMkLst>
+          <pc:docMk/>
+          <pc:sldMk cId="0" sldId="259"/>
+        </pc:sldMkLst>
+        <pc:spChg chg="mod">
+          <ac:chgData name="Cynthia Enciso" userId="7915927f-c5cf-4e1f-876d-e79882ad52fa" providerId="ADAL" clId="{79310FB5-EF7A-4DBF-9454-209B552EC24D}" dt="2021-08-09T21:25:43.025" v="459" actId="20577"/>
+          <ac:spMkLst>
+            <pc:docMk/>
+            <pc:sldMk cId="0" sldId="259"/>
+            <ac:spMk id="232" creationId="{00000000-0000-0000-0000-000000000000}"/>
+          </ac:spMkLst>
+        </pc:spChg>
+      </pc:sldChg>
+      <pc:sldChg chg="addSp modSp mod">
+        <pc:chgData name="Cynthia Enciso" userId="7915927f-c5cf-4e1f-876d-e79882ad52fa" providerId="ADAL" clId="{79310FB5-EF7A-4DBF-9454-209B552EC24D}" dt="2021-08-09T20:12:52.463" v="10" actId="20577"/>
+        <pc:sldMkLst>
+          <pc:docMk/>
+          <pc:sldMk cId="0" sldId="262"/>
+        </pc:sldMkLst>
+        <pc:spChg chg="add mod">
+          <ac:chgData name="Cynthia Enciso" userId="7915927f-c5cf-4e1f-876d-e79882ad52fa" providerId="ADAL" clId="{79310FB5-EF7A-4DBF-9454-209B552EC24D}" dt="2021-08-09T20:12:52.463" v="10" actId="20577"/>
+          <ac:spMkLst>
+            <pc:docMk/>
+            <pc:sldMk cId="0" sldId="262"/>
+            <ac:spMk id="2" creationId="{580BE462-FC31-431B-BF31-250F11E45F56}"/>
+          </ac:spMkLst>
+        </pc:spChg>
+        <pc:spChg chg="mod">
+          <ac:chgData name="Cynthia Enciso" userId="7915927f-c5cf-4e1f-876d-e79882ad52fa" providerId="ADAL" clId="{79310FB5-EF7A-4DBF-9454-209B552EC24D}" dt="2021-08-09T20:10:50.806" v="0" actId="113"/>
+          <ac:spMkLst>
+            <pc:docMk/>
+            <pc:sldMk cId="0" sldId="262"/>
+            <ac:spMk id="253" creationId="{00000000-0000-0000-0000-000000000000}"/>
+          </ac:spMkLst>
+        </pc:spChg>
+      </pc:sldChg>
+      <pc:sldChg chg="addSp modSp mod">
+        <pc:chgData name="Cynthia Enciso" userId="7915927f-c5cf-4e1f-876d-e79882ad52fa" providerId="ADAL" clId="{79310FB5-EF7A-4DBF-9454-209B552EC24D}" dt="2021-08-09T20:30:30.869" v="72" actId="1076"/>
+        <pc:sldMkLst>
+          <pc:docMk/>
+          <pc:sldMk cId="0" sldId="266"/>
+        </pc:sldMkLst>
+        <pc:spChg chg="add mod">
+          <ac:chgData name="Cynthia Enciso" userId="7915927f-c5cf-4e1f-876d-e79882ad52fa" providerId="ADAL" clId="{79310FB5-EF7A-4DBF-9454-209B552EC24D}" dt="2021-08-09T20:30:30.869" v="72" actId="1076"/>
+          <ac:spMkLst>
+            <pc:docMk/>
+            <pc:sldMk cId="0" sldId="266"/>
+            <ac:spMk id="6" creationId="{D550437C-4535-4AD8-9B2C-023C27EDA68F}"/>
+          </ac:spMkLst>
+        </pc:spChg>
+      </pc:sldChg>
+      <pc:sldChg chg="addSp delSp modSp mod delAnim modAnim">
+        <pc:chgData name="Cynthia Enciso" userId="7915927f-c5cf-4e1f-876d-e79882ad52fa" providerId="ADAL" clId="{79310FB5-EF7A-4DBF-9454-209B552EC24D}" dt="2021-08-09T22:16:45.881" v="697" actId="21"/>
+        <pc:sldMkLst>
+          <pc:docMk/>
+          <pc:sldMk cId="1101121298" sldId="278"/>
+        </pc:sldMkLst>
+        <pc:spChg chg="del">
+          <ac:chgData name="Cynthia Enciso" userId="7915927f-c5cf-4e1f-876d-e79882ad52fa" providerId="ADAL" clId="{79310FB5-EF7A-4DBF-9454-209B552EC24D}" dt="2021-08-09T21:31:23.836" v="460" actId="478"/>
+          <ac:spMkLst>
+            <pc:docMk/>
+            <pc:sldMk cId="1101121298" sldId="278"/>
+            <ac:spMk id="3" creationId="{E1A34F14-647E-4BBD-B16D-3622922181EA}"/>
+          </ac:spMkLst>
+        </pc:spChg>
+        <pc:spChg chg="add del mod">
+          <ac:chgData name="Cynthia Enciso" userId="7915927f-c5cf-4e1f-876d-e79882ad52fa" providerId="ADAL" clId="{79310FB5-EF7A-4DBF-9454-209B552EC24D}" dt="2021-08-09T22:16:45.881" v="697" actId="21"/>
+          <ac:spMkLst>
+            <pc:docMk/>
+            <pc:sldMk cId="1101121298" sldId="278"/>
+            <ac:spMk id="11" creationId="{A3ECC40F-7219-41F8-9F05-A7156C1E47F0}"/>
+          </ac:spMkLst>
+        </pc:spChg>
+      </pc:sldChg>
+      <pc:sldChg chg="modSp new mod">
+        <pc:chgData name="Cynthia Enciso" userId="7915927f-c5cf-4e1f-876d-e79882ad52fa" providerId="ADAL" clId="{79310FB5-EF7A-4DBF-9454-209B552EC24D}" dt="2021-08-09T20:50:12.085" v="458" actId="14100"/>
+        <pc:sldMkLst>
+          <pc:docMk/>
+          <pc:sldMk cId="2228468871" sldId="283"/>
+        </pc:sldMkLst>
+        <pc:spChg chg="mod">
+          <ac:chgData name="Cynthia Enciso" userId="7915927f-c5cf-4e1f-876d-e79882ad52fa" providerId="ADAL" clId="{79310FB5-EF7A-4DBF-9454-209B552EC24D}" dt="2021-08-09T20:48:28.510" v="95" actId="20577"/>
+          <ac:spMkLst>
+            <pc:docMk/>
+            <pc:sldMk cId="2228468871" sldId="283"/>
+            <ac:spMk id="2" creationId="{DAF651BC-8190-43D2-8DC6-D0B81C471205}"/>
+          </ac:spMkLst>
+        </pc:spChg>
+        <pc:spChg chg="mod">
+          <ac:chgData name="Cynthia Enciso" userId="7915927f-c5cf-4e1f-876d-e79882ad52fa" providerId="ADAL" clId="{79310FB5-EF7A-4DBF-9454-209B552EC24D}" dt="2021-08-09T20:50:12.085" v="458" actId="14100"/>
+          <ac:spMkLst>
+            <pc:docMk/>
+            <pc:sldMk cId="2228468871" sldId="283"/>
+            <ac:spMk id="3" creationId="{5FDBFCE3-3D88-4246-98DB-047EDC2EF3EA}"/>
+          </ac:spMkLst>
+        </pc:spChg>
+      </pc:sldChg>
+      <pc:sldChg chg="addSp delSp modSp new mod modAnim">
+        <pc:chgData name="Cynthia Enciso" userId="7915927f-c5cf-4e1f-876d-e79882ad52fa" providerId="ADAL" clId="{79310FB5-EF7A-4DBF-9454-209B552EC24D}" dt="2021-08-09T22:20:39.577" v="1032" actId="20577"/>
+        <pc:sldMkLst>
+          <pc:docMk/>
+          <pc:sldMk cId="3975096311" sldId="284"/>
+        </pc:sldMkLst>
+        <pc:spChg chg="mod">
+          <ac:chgData name="Cynthia Enciso" userId="7915927f-c5cf-4e1f-876d-e79882ad52fa" providerId="ADAL" clId="{79310FB5-EF7A-4DBF-9454-209B552EC24D}" dt="2021-08-09T22:14:52.341" v="494" actId="20577"/>
+          <ac:spMkLst>
+            <pc:docMk/>
+            <pc:sldMk cId="3975096311" sldId="284"/>
+            <ac:spMk id="2" creationId="{5E9BC4D3-AEE1-4152-9045-CBA6F41CCE5A}"/>
+          </ac:spMkLst>
+        </pc:spChg>
+        <pc:spChg chg="mod">
+          <ac:chgData name="Cynthia Enciso" userId="7915927f-c5cf-4e1f-876d-e79882ad52fa" providerId="ADAL" clId="{79310FB5-EF7A-4DBF-9454-209B552EC24D}" dt="2021-08-09T22:17:31.958" v="789" actId="255"/>
+          <ac:spMkLst>
+            <pc:docMk/>
+            <pc:sldMk cId="3975096311" sldId="284"/>
+            <ac:spMk id="3" creationId="{667025CE-137C-464E-8E37-71F027DECF0F}"/>
+          </ac:spMkLst>
+        </pc:spChg>
+        <pc:spChg chg="add del">
+          <ac:chgData name="Cynthia Enciso" userId="7915927f-c5cf-4e1f-876d-e79882ad52fa" providerId="ADAL" clId="{79310FB5-EF7A-4DBF-9454-209B552EC24D}" dt="2021-08-09T22:16:41.591" v="695" actId="22"/>
+          <ac:spMkLst>
+            <pc:docMk/>
+            <pc:sldMk cId="3975096311" sldId="284"/>
+            <ac:spMk id="6" creationId="{493A2E66-A4CD-498C-8AAF-327B6821A2E2}"/>
+          </ac:spMkLst>
+        </pc:spChg>
+        <pc:spChg chg="add mod">
+          <ac:chgData name="Cynthia Enciso" userId="7915927f-c5cf-4e1f-876d-e79882ad52fa" providerId="ADAL" clId="{79310FB5-EF7A-4DBF-9454-209B552EC24D}" dt="2021-08-09T22:20:39.577" v="1032" actId="20577"/>
+          <ac:spMkLst>
+            <pc:docMk/>
+            <pc:sldMk cId="3975096311" sldId="284"/>
+            <ac:spMk id="7" creationId="{00BD7CB5-82EB-4640-9DDF-84BC073D3EC5}"/>
           </ac:spMkLst>
         </pc:spChg>
       </pc:sldChg>
@@ -1286,237 +1542,6 @@
             <ac:inkMk id="13" creationId="{8939C2F5-E07E-48DA-947D-254A35FF5902}"/>
           </ac:inkMkLst>
         </pc:inkChg>
-      </pc:sldChg>
-    </pc:docChg>
-  </pc:docChgLst>
-  <pc:docChgLst>
-    <pc:chgData name="Cynthia Enciso" userId="7915927f-c5cf-4e1f-876d-e79882ad52fa" providerId="ADAL" clId="{F3B0982E-F8D7-4019-B0BD-51D870242FEB}"/>
-    <pc:docChg chg="custSel modSld">
-      <pc:chgData name="Cynthia Enciso" userId="7915927f-c5cf-4e1f-876d-e79882ad52fa" providerId="ADAL" clId="{F3B0982E-F8D7-4019-B0BD-51D870242FEB}" dt="2021-06-14T21:11:58.814" v="71" actId="1076"/>
-      <pc:docMkLst>
-        <pc:docMk/>
-      </pc:docMkLst>
-      <pc:sldChg chg="addSp delSp modSp mod">
-        <pc:chgData name="Cynthia Enciso" userId="7915927f-c5cf-4e1f-876d-e79882ad52fa" providerId="ADAL" clId="{F3B0982E-F8D7-4019-B0BD-51D870242FEB}" dt="2021-06-14T20:35:59.225" v="45" actId="478"/>
-        <pc:sldMkLst>
-          <pc:docMk/>
-          <pc:sldMk cId="0" sldId="263"/>
-        </pc:sldMkLst>
-        <pc:spChg chg="add del mod">
-          <ac:chgData name="Cynthia Enciso" userId="7915927f-c5cf-4e1f-876d-e79882ad52fa" providerId="ADAL" clId="{F3B0982E-F8D7-4019-B0BD-51D870242FEB}" dt="2021-06-14T20:35:59.225" v="45" actId="478"/>
-          <ac:spMkLst>
-            <pc:docMk/>
-            <pc:sldMk cId="0" sldId="263"/>
-            <ac:spMk id="2" creationId="{11279063-726D-4DA2-AC29-13C80890C445}"/>
-          </ac:spMkLst>
-        </pc:spChg>
-      </pc:sldChg>
-      <pc:sldChg chg="modSp mod">
-        <pc:chgData name="Cynthia Enciso" userId="7915927f-c5cf-4e1f-876d-e79882ad52fa" providerId="ADAL" clId="{F3B0982E-F8D7-4019-B0BD-51D870242FEB}" dt="2021-06-14T20:40:28.506" v="55" actId="20577"/>
-        <pc:sldMkLst>
-          <pc:docMk/>
-          <pc:sldMk cId="0" sldId="264"/>
-        </pc:sldMkLst>
-        <pc:spChg chg="mod">
-          <ac:chgData name="Cynthia Enciso" userId="7915927f-c5cf-4e1f-876d-e79882ad52fa" providerId="ADAL" clId="{F3B0982E-F8D7-4019-B0BD-51D870242FEB}" dt="2021-06-14T20:40:28.506" v="55" actId="20577"/>
-          <ac:spMkLst>
-            <pc:docMk/>
-            <pc:sldMk cId="0" sldId="264"/>
-            <ac:spMk id="2" creationId="{AD9D27B1-751B-4BD9-9F3F-EE5A08DEBFC7}"/>
-          </ac:spMkLst>
-        </pc:spChg>
-      </pc:sldChg>
-      <pc:sldChg chg="addSp modSp mod">
-        <pc:chgData name="Cynthia Enciso" userId="7915927f-c5cf-4e1f-876d-e79882ad52fa" providerId="ADAL" clId="{F3B0982E-F8D7-4019-B0BD-51D870242FEB}" dt="2021-06-14T20:40:55.618" v="70" actId="20577"/>
-        <pc:sldMkLst>
-          <pc:docMk/>
-          <pc:sldMk cId="0" sldId="265"/>
-        </pc:sldMkLst>
-        <pc:spChg chg="add mod">
-          <ac:chgData name="Cynthia Enciso" userId="7915927f-c5cf-4e1f-876d-e79882ad52fa" providerId="ADAL" clId="{F3B0982E-F8D7-4019-B0BD-51D870242FEB}" dt="2021-06-14T20:40:55.618" v="70" actId="20577"/>
-          <ac:spMkLst>
-            <pc:docMk/>
-            <pc:sldMk cId="0" sldId="265"/>
-            <ac:spMk id="2" creationId="{1AECCF03-E4BB-47C4-A76F-758338B50F71}"/>
-          </ac:spMkLst>
-        </pc:spChg>
-      </pc:sldChg>
-      <pc:sldChg chg="modSp mod">
-        <pc:chgData name="Cynthia Enciso" userId="7915927f-c5cf-4e1f-876d-e79882ad52fa" providerId="ADAL" clId="{F3B0982E-F8D7-4019-B0BD-51D870242FEB}" dt="2021-06-14T21:11:58.814" v="71" actId="1076"/>
-        <pc:sldMkLst>
-          <pc:docMk/>
-          <pc:sldMk cId="54639374" sldId="276"/>
-        </pc:sldMkLst>
-        <pc:grpChg chg="mod">
-          <ac:chgData name="Cynthia Enciso" userId="7915927f-c5cf-4e1f-876d-e79882ad52fa" providerId="ADAL" clId="{F3B0982E-F8D7-4019-B0BD-51D870242FEB}" dt="2021-06-14T21:11:58.814" v="71" actId="1076"/>
-          <ac:grpSpMkLst>
-            <pc:docMk/>
-            <pc:sldMk cId="54639374" sldId="276"/>
-            <ac:grpSpMk id="23" creationId="{5BCE7D65-1CF4-4668-9B9D-57E720FBC490}"/>
-          </ac:grpSpMkLst>
-        </pc:grpChg>
-      </pc:sldChg>
-      <pc:sldChg chg="delSp mod">
-        <pc:chgData name="Cynthia Enciso" userId="7915927f-c5cf-4e1f-876d-e79882ad52fa" providerId="ADAL" clId="{F3B0982E-F8D7-4019-B0BD-51D870242FEB}" dt="2021-06-14T20:20:06.900" v="0" actId="478"/>
-        <pc:sldMkLst>
-          <pc:docMk/>
-          <pc:sldMk cId="1101121298" sldId="278"/>
-        </pc:sldMkLst>
-        <pc:spChg chg="del">
-          <ac:chgData name="Cynthia Enciso" userId="7915927f-c5cf-4e1f-876d-e79882ad52fa" providerId="ADAL" clId="{F3B0982E-F8D7-4019-B0BD-51D870242FEB}" dt="2021-06-14T20:20:06.900" v="0" actId="478"/>
-          <ac:spMkLst>
-            <pc:docMk/>
-            <pc:sldMk cId="1101121298" sldId="278"/>
-            <ac:spMk id="7" creationId="{D4A94988-B300-4135-9AAB-489602F35956}"/>
-          </ac:spMkLst>
-        </pc:spChg>
-      </pc:sldChg>
-    </pc:docChg>
-  </pc:docChgLst>
-  <pc:docChgLst>
-    <pc:chgData name="Cynthia Enciso" userId="7915927f-c5cf-4e1f-876d-e79882ad52fa" providerId="ADAL" clId="{79310FB5-EF7A-4DBF-9454-209B552EC24D}"/>
-    <pc:docChg chg="undo custSel addSld modSld">
-      <pc:chgData name="Cynthia Enciso" userId="7915927f-c5cf-4e1f-876d-e79882ad52fa" providerId="ADAL" clId="{79310FB5-EF7A-4DBF-9454-209B552EC24D}" dt="2021-08-09T22:20:39.577" v="1032" actId="20577"/>
-      <pc:docMkLst>
-        <pc:docMk/>
-      </pc:docMkLst>
-      <pc:sldChg chg="modSp modAnim">
-        <pc:chgData name="Cynthia Enciso" userId="7915927f-c5cf-4e1f-876d-e79882ad52fa" providerId="ADAL" clId="{79310FB5-EF7A-4DBF-9454-209B552EC24D}" dt="2021-08-09T21:25:43.025" v="459" actId="20577"/>
-        <pc:sldMkLst>
-          <pc:docMk/>
-          <pc:sldMk cId="0" sldId="259"/>
-        </pc:sldMkLst>
-        <pc:spChg chg="mod">
-          <ac:chgData name="Cynthia Enciso" userId="7915927f-c5cf-4e1f-876d-e79882ad52fa" providerId="ADAL" clId="{79310FB5-EF7A-4DBF-9454-209B552EC24D}" dt="2021-08-09T21:25:43.025" v="459" actId="20577"/>
-          <ac:spMkLst>
-            <pc:docMk/>
-            <pc:sldMk cId="0" sldId="259"/>
-            <ac:spMk id="232" creationId="{00000000-0000-0000-0000-000000000000}"/>
-          </ac:spMkLst>
-        </pc:spChg>
-      </pc:sldChg>
-      <pc:sldChg chg="addSp modSp mod">
-        <pc:chgData name="Cynthia Enciso" userId="7915927f-c5cf-4e1f-876d-e79882ad52fa" providerId="ADAL" clId="{79310FB5-EF7A-4DBF-9454-209B552EC24D}" dt="2021-08-09T20:12:52.463" v="10" actId="20577"/>
-        <pc:sldMkLst>
-          <pc:docMk/>
-          <pc:sldMk cId="0" sldId="262"/>
-        </pc:sldMkLst>
-        <pc:spChg chg="add mod">
-          <ac:chgData name="Cynthia Enciso" userId="7915927f-c5cf-4e1f-876d-e79882ad52fa" providerId="ADAL" clId="{79310FB5-EF7A-4DBF-9454-209B552EC24D}" dt="2021-08-09T20:12:52.463" v="10" actId="20577"/>
-          <ac:spMkLst>
-            <pc:docMk/>
-            <pc:sldMk cId="0" sldId="262"/>
-            <ac:spMk id="2" creationId="{580BE462-FC31-431B-BF31-250F11E45F56}"/>
-          </ac:spMkLst>
-        </pc:spChg>
-        <pc:spChg chg="mod">
-          <ac:chgData name="Cynthia Enciso" userId="7915927f-c5cf-4e1f-876d-e79882ad52fa" providerId="ADAL" clId="{79310FB5-EF7A-4DBF-9454-209B552EC24D}" dt="2021-08-09T20:10:50.806" v="0" actId="113"/>
-          <ac:spMkLst>
-            <pc:docMk/>
-            <pc:sldMk cId="0" sldId="262"/>
-            <ac:spMk id="253" creationId="{00000000-0000-0000-0000-000000000000}"/>
-          </ac:spMkLst>
-        </pc:spChg>
-      </pc:sldChg>
-      <pc:sldChg chg="addSp modSp mod">
-        <pc:chgData name="Cynthia Enciso" userId="7915927f-c5cf-4e1f-876d-e79882ad52fa" providerId="ADAL" clId="{79310FB5-EF7A-4DBF-9454-209B552EC24D}" dt="2021-08-09T20:30:30.869" v="72" actId="1076"/>
-        <pc:sldMkLst>
-          <pc:docMk/>
-          <pc:sldMk cId="0" sldId="266"/>
-        </pc:sldMkLst>
-        <pc:spChg chg="add mod">
-          <ac:chgData name="Cynthia Enciso" userId="7915927f-c5cf-4e1f-876d-e79882ad52fa" providerId="ADAL" clId="{79310FB5-EF7A-4DBF-9454-209B552EC24D}" dt="2021-08-09T20:30:30.869" v="72" actId="1076"/>
-          <ac:spMkLst>
-            <pc:docMk/>
-            <pc:sldMk cId="0" sldId="266"/>
-            <ac:spMk id="6" creationId="{D550437C-4535-4AD8-9B2C-023C27EDA68F}"/>
-          </ac:spMkLst>
-        </pc:spChg>
-      </pc:sldChg>
-      <pc:sldChg chg="addSp delSp modSp mod delAnim modAnim">
-        <pc:chgData name="Cynthia Enciso" userId="7915927f-c5cf-4e1f-876d-e79882ad52fa" providerId="ADAL" clId="{79310FB5-EF7A-4DBF-9454-209B552EC24D}" dt="2021-08-09T22:16:45.881" v="697" actId="21"/>
-        <pc:sldMkLst>
-          <pc:docMk/>
-          <pc:sldMk cId="1101121298" sldId="278"/>
-        </pc:sldMkLst>
-        <pc:spChg chg="del">
-          <ac:chgData name="Cynthia Enciso" userId="7915927f-c5cf-4e1f-876d-e79882ad52fa" providerId="ADAL" clId="{79310FB5-EF7A-4DBF-9454-209B552EC24D}" dt="2021-08-09T21:31:23.836" v="460" actId="478"/>
-          <ac:spMkLst>
-            <pc:docMk/>
-            <pc:sldMk cId="1101121298" sldId="278"/>
-            <ac:spMk id="3" creationId="{E1A34F14-647E-4BBD-B16D-3622922181EA}"/>
-          </ac:spMkLst>
-        </pc:spChg>
-        <pc:spChg chg="add del mod">
-          <ac:chgData name="Cynthia Enciso" userId="7915927f-c5cf-4e1f-876d-e79882ad52fa" providerId="ADAL" clId="{79310FB5-EF7A-4DBF-9454-209B552EC24D}" dt="2021-08-09T22:16:45.881" v="697" actId="21"/>
-          <ac:spMkLst>
-            <pc:docMk/>
-            <pc:sldMk cId="1101121298" sldId="278"/>
-            <ac:spMk id="11" creationId="{A3ECC40F-7219-41F8-9F05-A7156C1E47F0}"/>
-          </ac:spMkLst>
-        </pc:spChg>
-      </pc:sldChg>
-      <pc:sldChg chg="modSp new mod">
-        <pc:chgData name="Cynthia Enciso" userId="7915927f-c5cf-4e1f-876d-e79882ad52fa" providerId="ADAL" clId="{79310FB5-EF7A-4DBF-9454-209B552EC24D}" dt="2021-08-09T20:50:12.085" v="458" actId="14100"/>
-        <pc:sldMkLst>
-          <pc:docMk/>
-          <pc:sldMk cId="2228468871" sldId="283"/>
-        </pc:sldMkLst>
-        <pc:spChg chg="mod">
-          <ac:chgData name="Cynthia Enciso" userId="7915927f-c5cf-4e1f-876d-e79882ad52fa" providerId="ADAL" clId="{79310FB5-EF7A-4DBF-9454-209B552EC24D}" dt="2021-08-09T20:48:28.510" v="95" actId="20577"/>
-          <ac:spMkLst>
-            <pc:docMk/>
-            <pc:sldMk cId="2228468871" sldId="283"/>
-            <ac:spMk id="2" creationId="{DAF651BC-8190-43D2-8DC6-D0B81C471205}"/>
-          </ac:spMkLst>
-        </pc:spChg>
-        <pc:spChg chg="mod">
-          <ac:chgData name="Cynthia Enciso" userId="7915927f-c5cf-4e1f-876d-e79882ad52fa" providerId="ADAL" clId="{79310FB5-EF7A-4DBF-9454-209B552EC24D}" dt="2021-08-09T20:50:12.085" v="458" actId="14100"/>
-          <ac:spMkLst>
-            <pc:docMk/>
-            <pc:sldMk cId="2228468871" sldId="283"/>
-            <ac:spMk id="3" creationId="{5FDBFCE3-3D88-4246-98DB-047EDC2EF3EA}"/>
-          </ac:spMkLst>
-        </pc:spChg>
-      </pc:sldChg>
-      <pc:sldChg chg="addSp delSp modSp new mod modAnim">
-        <pc:chgData name="Cynthia Enciso" userId="7915927f-c5cf-4e1f-876d-e79882ad52fa" providerId="ADAL" clId="{79310FB5-EF7A-4DBF-9454-209B552EC24D}" dt="2021-08-09T22:20:39.577" v="1032" actId="20577"/>
-        <pc:sldMkLst>
-          <pc:docMk/>
-          <pc:sldMk cId="3975096311" sldId="284"/>
-        </pc:sldMkLst>
-        <pc:spChg chg="mod">
-          <ac:chgData name="Cynthia Enciso" userId="7915927f-c5cf-4e1f-876d-e79882ad52fa" providerId="ADAL" clId="{79310FB5-EF7A-4DBF-9454-209B552EC24D}" dt="2021-08-09T22:14:52.341" v="494" actId="20577"/>
-          <ac:spMkLst>
-            <pc:docMk/>
-            <pc:sldMk cId="3975096311" sldId="284"/>
-            <ac:spMk id="2" creationId="{5E9BC4D3-AEE1-4152-9045-CBA6F41CCE5A}"/>
-          </ac:spMkLst>
-        </pc:spChg>
-        <pc:spChg chg="mod">
-          <ac:chgData name="Cynthia Enciso" userId="7915927f-c5cf-4e1f-876d-e79882ad52fa" providerId="ADAL" clId="{79310FB5-EF7A-4DBF-9454-209B552EC24D}" dt="2021-08-09T22:17:31.958" v="789" actId="255"/>
-          <ac:spMkLst>
-            <pc:docMk/>
-            <pc:sldMk cId="3975096311" sldId="284"/>
-            <ac:spMk id="3" creationId="{667025CE-137C-464E-8E37-71F027DECF0F}"/>
-          </ac:spMkLst>
-        </pc:spChg>
-        <pc:spChg chg="add del">
-          <ac:chgData name="Cynthia Enciso" userId="7915927f-c5cf-4e1f-876d-e79882ad52fa" providerId="ADAL" clId="{79310FB5-EF7A-4DBF-9454-209B552EC24D}" dt="2021-08-09T22:16:41.591" v="695" actId="22"/>
-          <ac:spMkLst>
-            <pc:docMk/>
-            <pc:sldMk cId="3975096311" sldId="284"/>
-            <ac:spMk id="6" creationId="{493A2E66-A4CD-498C-8AAF-327B6821A2E2}"/>
-          </ac:spMkLst>
-        </pc:spChg>
-        <pc:spChg chg="add mod">
-          <ac:chgData name="Cynthia Enciso" userId="7915927f-c5cf-4e1f-876d-e79882ad52fa" providerId="ADAL" clId="{79310FB5-EF7A-4DBF-9454-209B552EC24D}" dt="2021-08-09T22:20:39.577" v="1032" actId="20577"/>
-          <ac:spMkLst>
-            <pc:docMk/>
-            <pc:sldMk cId="3975096311" sldId="284"/>
-            <ac:spMk id="7" creationId="{00BD7CB5-82EB-4640-9DDF-84BC073D3EC5}"/>
-          </ac:spMkLst>
-        </pc:spChg>
       </pc:sldChg>
     </pc:docChg>
   </pc:docChgLst>
@@ -39621,7 +39646,15 @@
           <a:p>
             <a:r>
               <a:rPr lang="en-US" dirty="0"/>
-              <a:t>Instead of have duplicate code inside each constructors, you can have them call each other to initialize themselves</a:t>
+              <a:t>Instead of duplicating code across multiple constructors, you can invoke other constructors in a class using </a:t>
+            </a:r>
+            <a:r>
+              <a:rPr lang="en-US" b="1" dirty="0"/>
+              <a:t>this()</a:t>
+            </a:r>
+            <a:r>
+              <a:rPr lang="en-US" dirty="0"/>
+              <a:t> to consolidate similar logic.</a:t>
             </a:r>
           </a:p>
           <a:p>
@@ -39884,8 +39917,8 @@
               <a:chExt cx="2395800" cy="677520"/>
             </a:xfrm>
           </p:grpSpPr>
-          <mc:AlternateContent xmlns:mc="http://schemas.openxmlformats.org/markup-compatibility/2006">
-            <mc:Choice xmlns:p14="http://schemas.microsoft.com/office/powerpoint/2010/main" Requires="p14">
+          <mc:AlternateContent xmlns:mc="http://schemas.openxmlformats.org/markup-compatibility/2006" xmlns:p14="http://schemas.microsoft.com/office/powerpoint/2010/main">
+            <mc:Choice Requires="p14">
               <p:contentPart p14:bwMode="auto" r:id="rId2">
                 <p14:nvContentPartPr>
                   <p14:cNvPr id="8" name="Ink 7">
@@ -39904,7 +39937,7 @@
                 </p14:xfrm>
               </p:contentPart>
             </mc:Choice>
-            <mc:Fallback>
+            <mc:Fallback xmlns="">
               <p:pic>
                 <p:nvPicPr>
                   <p:cNvPr id="8" name="Ink 7">
@@ -39935,8 +39968,8 @@
               </p:pic>
             </mc:Fallback>
           </mc:AlternateContent>
-          <mc:AlternateContent xmlns:mc="http://schemas.openxmlformats.org/markup-compatibility/2006">
-            <mc:Choice xmlns:p14="http://schemas.microsoft.com/office/powerpoint/2010/main" Requires="p14">
+          <mc:AlternateContent xmlns:mc="http://schemas.openxmlformats.org/markup-compatibility/2006" xmlns:p14="http://schemas.microsoft.com/office/powerpoint/2010/main">
+            <mc:Choice Requires="p14">
               <p:contentPart p14:bwMode="auto" r:id="rId4">
                 <p14:nvContentPartPr>
                   <p14:cNvPr id="9" name="Ink 8">
@@ -39955,7 +39988,7 @@
                 </p14:xfrm>
               </p:contentPart>
             </mc:Choice>
-            <mc:Fallback>
+            <mc:Fallback xmlns="">
               <p:pic>
                 <p:nvPicPr>
                   <p:cNvPr id="9" name="Ink 8">
@@ -39986,8 +40019,8 @@
               </p:pic>
             </mc:Fallback>
           </mc:AlternateContent>
-          <mc:AlternateContent xmlns:mc="http://schemas.openxmlformats.org/markup-compatibility/2006">
-            <mc:Choice xmlns:p14="http://schemas.microsoft.com/office/powerpoint/2010/main" Requires="p14">
+          <mc:AlternateContent xmlns:mc="http://schemas.openxmlformats.org/markup-compatibility/2006" xmlns:p14="http://schemas.microsoft.com/office/powerpoint/2010/main">
+            <mc:Choice Requires="p14">
               <p:contentPart p14:bwMode="auto" r:id="rId6">
                 <p14:nvContentPartPr>
                   <p14:cNvPr id="10" name="Ink 9">
@@ -40006,7 +40039,7 @@
                 </p14:xfrm>
               </p:contentPart>
             </mc:Choice>
-            <mc:Fallback>
+            <mc:Fallback xmlns="">
               <p:pic>
                 <p:nvPicPr>
                   <p:cNvPr id="10" name="Ink 9">
@@ -40037,8 +40070,8 @@
               </p:pic>
             </mc:Fallback>
           </mc:AlternateContent>
-          <mc:AlternateContent xmlns:mc="http://schemas.openxmlformats.org/markup-compatibility/2006">
-            <mc:Choice xmlns:p14="http://schemas.microsoft.com/office/powerpoint/2010/main" Requires="p14">
+          <mc:AlternateContent xmlns:mc="http://schemas.openxmlformats.org/markup-compatibility/2006" xmlns:p14="http://schemas.microsoft.com/office/powerpoint/2010/main">
+            <mc:Choice Requires="p14">
               <p:contentPart p14:bwMode="auto" r:id="rId8">
                 <p14:nvContentPartPr>
                   <p14:cNvPr id="11" name="Ink 10">
@@ -40057,7 +40090,7 @@
                 </p14:xfrm>
               </p:contentPart>
             </mc:Choice>
-            <mc:Fallback>
+            <mc:Fallback xmlns="">
               <p:pic>
                 <p:nvPicPr>
                   <p:cNvPr id="11" name="Ink 10">
@@ -40088,8 +40121,8 @@
               </p:pic>
             </mc:Fallback>
           </mc:AlternateContent>
-          <mc:AlternateContent xmlns:mc="http://schemas.openxmlformats.org/markup-compatibility/2006">
-            <mc:Choice xmlns:p14="http://schemas.microsoft.com/office/powerpoint/2010/main" Requires="p14">
+          <mc:AlternateContent xmlns:mc="http://schemas.openxmlformats.org/markup-compatibility/2006" xmlns:p14="http://schemas.microsoft.com/office/powerpoint/2010/main">
+            <mc:Choice Requires="p14">
               <p:contentPart p14:bwMode="auto" r:id="rId10">
                 <p14:nvContentPartPr>
                   <p14:cNvPr id="12" name="Ink 11">
@@ -40108,7 +40141,7 @@
                 </p14:xfrm>
               </p:contentPart>
             </mc:Choice>
-            <mc:Fallback>
+            <mc:Fallback xmlns="">
               <p:pic>
                 <p:nvPicPr>
                   <p:cNvPr id="12" name="Ink 11">
@@ -40139,8 +40172,8 @@
               </p:pic>
             </mc:Fallback>
           </mc:AlternateContent>
-          <mc:AlternateContent xmlns:mc="http://schemas.openxmlformats.org/markup-compatibility/2006">
-            <mc:Choice xmlns:p14="http://schemas.microsoft.com/office/powerpoint/2010/main" Requires="p14">
+          <mc:AlternateContent xmlns:mc="http://schemas.openxmlformats.org/markup-compatibility/2006" xmlns:p14="http://schemas.microsoft.com/office/powerpoint/2010/main">
+            <mc:Choice Requires="p14">
               <p:contentPart p14:bwMode="auto" r:id="rId12">
                 <p14:nvContentPartPr>
                   <p14:cNvPr id="13" name="Ink 12">
@@ -40159,7 +40192,7 @@
                 </p14:xfrm>
               </p:contentPart>
             </mc:Choice>
-            <mc:Fallback>
+            <mc:Fallback xmlns="">
               <p:pic>
                 <p:nvPicPr>
                   <p:cNvPr id="13" name="Ink 12">

--- a/revised-ppts/Day 13 PPT.pptx
+++ b/revised-ppts/Day 13 PPT.pptx
@@ -48504,4 +48504,258 @@
   <a:objectDefaults/>
   <a:extraClrSchemeLst/>
 </a:theme>
+</file>
+
+<file path=customXml/item1.xml><?xml version="1.0" encoding="utf-8"?>
+<ct:contentTypeSchema xmlns:ct="http://schemas.microsoft.com/office/2006/metadata/contentType" xmlns:ma="http://schemas.microsoft.com/office/2006/metadata/properties/metaAttributes" ct:_="" ma:_="" ma:contentTypeName="Document" ma:contentTypeID="0x0101008BD2F010722D7D4D902378845F41F1B2" ma:contentTypeVersion="13" ma:contentTypeDescription="Create a new document." ma:contentTypeScope="" ma:versionID="b68d56871977609000cd171c9412956f">
+  <xsd:schema xmlns:xsd="http://www.w3.org/2001/XMLSchema" xmlns:xs="http://www.w3.org/2001/XMLSchema" xmlns:p="http://schemas.microsoft.com/office/2006/metadata/properties" xmlns:ns2="16399201-8c70-4094-bedf-0e0052933be2" xmlns:ns3="c1d1d668-1a17-41cc-8e51-02c957e8f86c" targetNamespace="http://schemas.microsoft.com/office/2006/metadata/properties" ma:root="true" ma:fieldsID="8d4e77ac156dfa649f0a05adbe1f888e" ns2:_="" ns3:_="">
+    <xsd:import namespace="16399201-8c70-4094-bedf-0e0052933be2"/>
+    <xsd:import namespace="c1d1d668-1a17-41cc-8e51-02c957e8f86c"/>
+    <xsd:element name="properties">
+      <xsd:complexType>
+        <xsd:sequence>
+          <xsd:element name="documentManagement">
+            <xsd:complexType>
+              <xsd:all>
+                <xsd:element ref="ns2:MediaServiceMetadata" minOccurs="0"/>
+                <xsd:element ref="ns2:MediaServiceFastMetadata" minOccurs="0"/>
+                <xsd:element ref="ns2:MediaServiceAutoTags" minOccurs="0"/>
+                <xsd:element ref="ns2:MediaServiceGenerationTime" minOccurs="0"/>
+                <xsd:element ref="ns2:MediaServiceEventHashCode" minOccurs="0"/>
+                <xsd:element ref="ns2:MediaServiceOCR" minOccurs="0"/>
+                <xsd:element ref="ns2:MediaServiceDateTaken" minOccurs="0"/>
+                <xsd:element ref="ns3:SharedWithUsers" minOccurs="0"/>
+                <xsd:element ref="ns3:SharedWithDetails" minOccurs="0"/>
+                <xsd:element ref="ns2:MediaServiceAutoKeyPoints" minOccurs="0"/>
+                <xsd:element ref="ns2:MediaServiceKeyPoints" minOccurs="0"/>
+                <xsd:element ref="ns2:MediaLengthInSeconds" minOccurs="0"/>
+                <xsd:element ref="ns2:Details" minOccurs="0"/>
+              </xsd:all>
+            </xsd:complexType>
+          </xsd:element>
+        </xsd:sequence>
+      </xsd:complexType>
+    </xsd:element>
+  </xsd:schema>
+  <xsd:schema xmlns:xsd="http://www.w3.org/2001/XMLSchema" xmlns:xs="http://www.w3.org/2001/XMLSchema" xmlns:dms="http://schemas.microsoft.com/office/2006/documentManagement/types" xmlns:pc="http://schemas.microsoft.com/office/infopath/2007/PartnerControls" targetNamespace="16399201-8c70-4094-bedf-0e0052933be2" elementFormDefault="qualified">
+    <xsd:import namespace="http://schemas.microsoft.com/office/2006/documentManagement/types"/>
+    <xsd:import namespace="http://schemas.microsoft.com/office/infopath/2007/PartnerControls"/>
+    <xsd:element name="MediaServiceMetadata" ma:index="8" nillable="true" ma:displayName="MediaServiceMetadata" ma:hidden="true" ma:internalName="MediaServiceMetadata" ma:readOnly="true">
+      <xsd:simpleType>
+        <xsd:restriction base="dms:Note"/>
+      </xsd:simpleType>
+    </xsd:element>
+    <xsd:element name="MediaServiceFastMetadata" ma:index="9" nillable="true" ma:displayName="MediaServiceFastMetadata" ma:hidden="true" ma:internalName="MediaServiceFastMetadata" ma:readOnly="true">
+      <xsd:simpleType>
+        <xsd:restriction base="dms:Note"/>
+      </xsd:simpleType>
+    </xsd:element>
+    <xsd:element name="MediaServiceAutoTags" ma:index="10" nillable="true" ma:displayName="Tags" ma:internalName="MediaServiceAutoTags" ma:readOnly="true">
+      <xsd:simpleType>
+        <xsd:restriction base="dms:Text"/>
+      </xsd:simpleType>
+    </xsd:element>
+    <xsd:element name="MediaServiceGenerationTime" ma:index="11" nillable="true" ma:displayName="MediaServiceGenerationTime" ma:hidden="true" ma:internalName="MediaServiceGenerationTime" ma:readOnly="true">
+      <xsd:simpleType>
+        <xsd:restriction base="dms:Text"/>
+      </xsd:simpleType>
+    </xsd:element>
+    <xsd:element name="MediaServiceEventHashCode" ma:index="12" nillable="true" ma:displayName="MediaServiceEventHashCode" ma:hidden="true" ma:internalName="MediaServiceEventHashCode" ma:readOnly="true">
+      <xsd:simpleType>
+        <xsd:restriction base="dms:Text"/>
+      </xsd:simpleType>
+    </xsd:element>
+    <xsd:element name="MediaServiceOCR" ma:index="13" nillable="true" ma:displayName="Extracted Text" ma:internalName="MediaServiceOCR" ma:readOnly="true">
+      <xsd:simpleType>
+        <xsd:restriction base="dms:Note">
+          <xsd:maxLength value="255"/>
+        </xsd:restriction>
+      </xsd:simpleType>
+    </xsd:element>
+    <xsd:element name="MediaServiceDateTaken" ma:index="14" nillable="true" ma:displayName="MediaServiceDateTaken" ma:hidden="true" ma:internalName="MediaServiceDateTaken" ma:readOnly="true">
+      <xsd:simpleType>
+        <xsd:restriction base="dms:Text"/>
+      </xsd:simpleType>
+    </xsd:element>
+    <xsd:element name="MediaServiceAutoKeyPoints" ma:index="17" nillable="true" ma:displayName="MediaServiceAutoKeyPoints" ma:hidden="true" ma:internalName="MediaServiceAutoKeyPoints" ma:readOnly="true">
+      <xsd:simpleType>
+        <xsd:restriction base="dms:Note"/>
+      </xsd:simpleType>
+    </xsd:element>
+    <xsd:element name="MediaServiceKeyPoints" ma:index="18" nillable="true" ma:displayName="KeyPoints" ma:internalName="MediaServiceKeyPoints" ma:readOnly="true">
+      <xsd:simpleType>
+        <xsd:restriction base="dms:Note">
+          <xsd:maxLength value="255"/>
+        </xsd:restriction>
+      </xsd:simpleType>
+    </xsd:element>
+    <xsd:element name="MediaLengthInSeconds" ma:index="19" nillable="true" ma:displayName="Length (seconds)" ma:internalName="MediaLengthInSeconds" ma:readOnly="true">
+      <xsd:simpleType>
+        <xsd:restriction base="dms:Unknown"/>
+      </xsd:simpleType>
+    </xsd:element>
+    <xsd:element name="Details" ma:index="20" nillable="true" ma:displayName="Details" ma:format="Dropdown" ma:internalName="Details">
+      <xsd:simpleType>
+        <xsd:restriction base="dms:Text">
+          <xsd:maxLength value="255"/>
+        </xsd:restriction>
+      </xsd:simpleType>
+    </xsd:element>
+  </xsd:schema>
+  <xsd:schema xmlns:xsd="http://www.w3.org/2001/XMLSchema" xmlns:xs="http://www.w3.org/2001/XMLSchema" xmlns:dms="http://schemas.microsoft.com/office/2006/documentManagement/types" xmlns:pc="http://schemas.microsoft.com/office/infopath/2007/PartnerControls" targetNamespace="c1d1d668-1a17-41cc-8e51-02c957e8f86c" elementFormDefault="qualified">
+    <xsd:import namespace="http://schemas.microsoft.com/office/2006/documentManagement/types"/>
+    <xsd:import namespace="http://schemas.microsoft.com/office/infopath/2007/PartnerControls"/>
+    <xsd:element name="SharedWithUsers" ma:index="15" nillable="true" ma:displayName="Shared With" ma:internalName="SharedWithUsers" ma:readOnly="true">
+      <xsd:complexType>
+        <xsd:complexContent>
+          <xsd:extension base="dms:UserMulti">
+            <xsd:sequence>
+              <xsd:element name="UserInfo" minOccurs="0" maxOccurs="unbounded">
+                <xsd:complexType>
+                  <xsd:sequence>
+                    <xsd:element name="DisplayName" type="xsd:string" minOccurs="0"/>
+                    <xsd:element name="AccountId" type="dms:UserId" minOccurs="0" nillable="true"/>
+                    <xsd:element name="AccountType" type="xsd:string" minOccurs="0"/>
+                  </xsd:sequence>
+                </xsd:complexType>
+              </xsd:element>
+            </xsd:sequence>
+          </xsd:extension>
+        </xsd:complexContent>
+      </xsd:complexType>
+    </xsd:element>
+    <xsd:element name="SharedWithDetails" ma:index="16" nillable="true" ma:displayName="Shared With Details" ma:internalName="SharedWithDetails" ma:readOnly="true">
+      <xsd:simpleType>
+        <xsd:restriction base="dms:Note">
+          <xsd:maxLength value="255"/>
+        </xsd:restriction>
+      </xsd:simpleType>
+    </xsd:element>
+  </xsd:schema>
+  <xsd:schema xmlns="http://schemas.openxmlformats.org/package/2006/metadata/core-properties" xmlns:xsd="http://www.w3.org/2001/XMLSchema" xmlns:xsi="http://www.w3.org/2001/XMLSchema-instance" xmlns:dc="http://purl.org/dc/elements/1.1/" xmlns:dcterms="http://purl.org/dc/terms/" xmlns:odoc="http://schemas.microsoft.com/internal/obd" targetNamespace="http://schemas.openxmlformats.org/package/2006/metadata/core-properties" elementFormDefault="qualified" attributeFormDefault="unqualified" blockDefault="#all">
+    <xsd:import namespace="http://purl.org/dc/elements/1.1/" schemaLocation="http://dublincore.org/schemas/xmls/qdc/2003/04/02/dc.xsd"/>
+    <xsd:import namespace="http://purl.org/dc/terms/" schemaLocation="http://dublincore.org/schemas/xmls/qdc/2003/04/02/dcterms.xsd"/>
+    <xsd:element name="coreProperties" type="CT_coreProperties"/>
+    <xsd:complexType name="CT_coreProperties">
+      <xsd:all>
+        <xsd:element ref="dc:creator" minOccurs="0" maxOccurs="1"/>
+        <xsd:element ref="dcterms:created" minOccurs="0" maxOccurs="1"/>
+        <xsd:element ref="dc:identifier" minOccurs="0" maxOccurs="1"/>
+        <xsd:element name="contentType" minOccurs="0" maxOccurs="1" type="xsd:string" ma:index="0" ma:displayName="Content Type"/>
+        <xsd:element ref="dc:title" minOccurs="0" maxOccurs="1" ma:index="4" ma:displayName="Title"/>
+        <xsd:element ref="dc:subject" minOccurs="0" maxOccurs="1"/>
+        <xsd:element ref="dc:description" minOccurs="0" maxOccurs="1"/>
+        <xsd:element name="keywords" minOccurs="0" maxOccurs="1" type="xsd:string"/>
+        <xsd:element ref="dc:language" minOccurs="0" maxOccurs="1"/>
+        <xsd:element name="category" minOccurs="0" maxOccurs="1" type="xsd:string"/>
+        <xsd:element name="version" minOccurs="0" maxOccurs="1" type="xsd:string"/>
+        <xsd:element name="revision" minOccurs="0" maxOccurs="1" type="xsd:string">
+          <xsd:annotation>
+            <xsd:documentation>
+                        This value indicates the number of saves or revisions. The application is responsible for updating this value after each revision.
+                    </xsd:documentation>
+          </xsd:annotation>
+        </xsd:element>
+        <xsd:element name="lastModifiedBy" minOccurs="0" maxOccurs="1" type="xsd:string"/>
+        <xsd:element ref="dcterms:modified" minOccurs="0" maxOccurs="1"/>
+        <xsd:element name="contentStatus" minOccurs="0" maxOccurs="1" type="xsd:string"/>
+      </xsd:all>
+    </xsd:complexType>
+  </xsd:schema>
+  <xs:schema xmlns:pc="http://schemas.microsoft.com/office/infopath/2007/PartnerControls" xmlns:xs="http://www.w3.org/2001/XMLSchema" targetNamespace="http://schemas.microsoft.com/office/infopath/2007/PartnerControls" elementFormDefault="qualified" attributeFormDefault="unqualified">
+    <xs:element name="Person">
+      <xs:complexType>
+        <xs:sequence>
+          <xs:element ref="pc:DisplayName" minOccurs="0"/>
+          <xs:element ref="pc:AccountId" minOccurs="0"/>
+          <xs:element ref="pc:AccountType" minOccurs="0"/>
+        </xs:sequence>
+      </xs:complexType>
+    </xs:element>
+    <xs:element name="DisplayName" type="xs:string"/>
+    <xs:element name="AccountId" type="xs:string"/>
+    <xs:element name="AccountType" type="xs:string"/>
+    <xs:element name="BDCAssociatedEntity">
+      <xs:complexType>
+        <xs:sequence>
+          <xs:element ref="pc:BDCEntity" minOccurs="0" maxOccurs="unbounded"/>
+        </xs:sequence>
+        <xs:attribute ref="pc:EntityNamespace"/>
+        <xs:attribute ref="pc:EntityName"/>
+        <xs:attribute ref="pc:SystemInstanceName"/>
+        <xs:attribute ref="pc:AssociationName"/>
+      </xs:complexType>
+    </xs:element>
+    <xs:attribute name="EntityNamespace" type="xs:string"/>
+    <xs:attribute name="EntityName" type="xs:string"/>
+    <xs:attribute name="SystemInstanceName" type="xs:string"/>
+    <xs:attribute name="AssociationName" type="xs:string"/>
+    <xs:element name="BDCEntity">
+      <xs:complexType>
+        <xs:sequence>
+          <xs:element ref="pc:EntityDisplayName" minOccurs="0"/>
+          <xs:element ref="pc:EntityInstanceReference" minOccurs="0"/>
+          <xs:element ref="pc:EntityId1" minOccurs="0"/>
+          <xs:element ref="pc:EntityId2" minOccurs="0"/>
+          <xs:element ref="pc:EntityId3" minOccurs="0"/>
+          <xs:element ref="pc:EntityId4" minOccurs="0"/>
+          <xs:element ref="pc:EntityId5" minOccurs="0"/>
+        </xs:sequence>
+      </xs:complexType>
+    </xs:element>
+    <xs:element name="EntityDisplayName" type="xs:string"/>
+    <xs:element name="EntityInstanceReference" type="xs:string"/>
+    <xs:element name="EntityId1" type="xs:string"/>
+    <xs:element name="EntityId2" type="xs:string"/>
+    <xs:element name="EntityId3" type="xs:string"/>
+    <xs:element name="EntityId4" type="xs:string"/>
+    <xs:element name="EntityId5" type="xs:string"/>
+    <xs:element name="Terms">
+      <xs:complexType>
+        <xs:sequence>
+          <xs:element ref="pc:TermInfo" minOccurs="0" maxOccurs="unbounded"/>
+        </xs:sequence>
+      </xs:complexType>
+    </xs:element>
+    <xs:element name="TermInfo">
+      <xs:complexType>
+        <xs:sequence>
+          <xs:element ref="pc:TermName" minOccurs="0"/>
+          <xs:element ref="pc:TermId" minOccurs="0"/>
+        </xs:sequence>
+      </xs:complexType>
+    </xs:element>
+    <xs:element name="TermName" type="xs:string"/>
+    <xs:element name="TermId" type="xs:string"/>
+  </xs:schema>
+</ct:contentTypeSchema>
+</file>
+
+<file path=customXml/item2.xml><?xml version="1.0" encoding="utf-8"?>
+<?mso-contentType ?>
+<FormTemplates xmlns="http://schemas.microsoft.com/sharepoint/v3/contenttype/forms">
+  <Display>DocumentLibraryForm</Display>
+  <Edit>DocumentLibraryForm</Edit>
+  <New>DocumentLibraryForm</New>
+</FormTemplates>
+</file>
+
+<file path=customXml/item3.xml><?xml version="1.0" encoding="utf-8"?>
+<p:properties xmlns:p="http://schemas.microsoft.com/office/2006/metadata/properties" xmlns:xsi="http://www.w3.org/2001/XMLSchema-instance" xmlns:pc="http://schemas.microsoft.com/office/infopath/2007/PartnerControls">
+  <documentManagement>
+    <Details xmlns="16399201-8c70-4094-bedf-0e0052933be2" xsi:nil="true"/>
+  </documentManagement>
+</p:properties>
+</file>
+
+<file path=customXml/itemProps1.xml><?xml version="1.0" encoding="utf-8"?>
+<ds:datastoreItem xmlns:ds="http://schemas.openxmlformats.org/officeDocument/2006/customXml" ds:itemID="{C9DF365E-3C87-468B-B394-1E7648ED9F64}"/>
+</file>
+
+<file path=customXml/itemProps2.xml><?xml version="1.0" encoding="utf-8"?>
+<ds:datastoreItem xmlns:ds="http://schemas.openxmlformats.org/officeDocument/2006/customXml" ds:itemID="{F77DAE4C-D50E-4C6E-86BC-A914E4904EF3}"/>
+</file>
+
+<file path=customXml/itemProps3.xml><?xml version="1.0" encoding="utf-8"?>
+<ds:datastoreItem xmlns:ds="http://schemas.openxmlformats.org/officeDocument/2006/customXml" ds:itemID="{FD454A57-EE27-4191-996D-99D0C02A37CF}"/>
 </file>